--- a/NETFEIX/NETFEIX.pptx
+++ b/NETFEIX/NETFEIX.pptx
@@ -74,13 +74,13 @@
         </a:solidFill>
         <a:effectLst/>
         <a:uFillTx/>
-        <a:latin typeface="Proxima Nova"/>
-        <a:ea typeface="Proxima Nova"/>
-        <a:cs typeface="Proxima Nova"/>
-        <a:sym typeface="Proxima Nova"/>
+        <a:latin typeface="Druk Medium"/>
+        <a:ea typeface="Druk Medium"/>
+        <a:cs typeface="Druk Medium"/>
+        <a:sym typeface="Druk Medium"/>
       </a:defRPr>
     </a:lvl1pPr>
-    <a:lvl2pPr marL="0" marR="0" indent="457200" algn="ctr" defTabSz="825500" rtl="0" fontAlgn="auto" latinLnBrk="0" hangingPunct="0">
+    <a:lvl2pPr marL="0" marR="0" indent="0" algn="ctr" defTabSz="825500" rtl="0" fontAlgn="auto" latinLnBrk="0" hangingPunct="0">
       <a:lnSpc>
         <a:spcPct val="100000"/>
       </a:lnSpc>
@@ -104,13 +104,13 @@
         </a:solidFill>
         <a:effectLst/>
         <a:uFillTx/>
-        <a:latin typeface="Proxima Nova"/>
-        <a:ea typeface="Proxima Nova"/>
-        <a:cs typeface="Proxima Nova"/>
-        <a:sym typeface="Proxima Nova"/>
+        <a:latin typeface="Druk Medium"/>
+        <a:ea typeface="Druk Medium"/>
+        <a:cs typeface="Druk Medium"/>
+        <a:sym typeface="Druk Medium"/>
       </a:defRPr>
     </a:lvl2pPr>
-    <a:lvl3pPr marL="0" marR="0" indent="914400" algn="ctr" defTabSz="825500" rtl="0" fontAlgn="auto" latinLnBrk="0" hangingPunct="0">
+    <a:lvl3pPr marL="0" marR="0" indent="0" algn="ctr" defTabSz="825500" rtl="0" fontAlgn="auto" latinLnBrk="0" hangingPunct="0">
       <a:lnSpc>
         <a:spcPct val="100000"/>
       </a:lnSpc>
@@ -134,13 +134,13 @@
         </a:solidFill>
         <a:effectLst/>
         <a:uFillTx/>
-        <a:latin typeface="Proxima Nova"/>
-        <a:ea typeface="Proxima Nova"/>
-        <a:cs typeface="Proxima Nova"/>
-        <a:sym typeface="Proxima Nova"/>
+        <a:latin typeface="Druk Medium"/>
+        <a:ea typeface="Druk Medium"/>
+        <a:cs typeface="Druk Medium"/>
+        <a:sym typeface="Druk Medium"/>
       </a:defRPr>
     </a:lvl3pPr>
-    <a:lvl4pPr marL="0" marR="0" indent="1371600" algn="ctr" defTabSz="825500" rtl="0" fontAlgn="auto" latinLnBrk="0" hangingPunct="0">
+    <a:lvl4pPr marL="0" marR="0" indent="0" algn="ctr" defTabSz="825500" rtl="0" fontAlgn="auto" latinLnBrk="0" hangingPunct="0">
       <a:lnSpc>
         <a:spcPct val="100000"/>
       </a:lnSpc>
@@ -164,13 +164,13 @@
         </a:solidFill>
         <a:effectLst/>
         <a:uFillTx/>
-        <a:latin typeface="Proxima Nova"/>
-        <a:ea typeface="Proxima Nova"/>
-        <a:cs typeface="Proxima Nova"/>
-        <a:sym typeface="Proxima Nova"/>
+        <a:latin typeface="Druk Medium"/>
+        <a:ea typeface="Druk Medium"/>
+        <a:cs typeface="Druk Medium"/>
+        <a:sym typeface="Druk Medium"/>
       </a:defRPr>
     </a:lvl4pPr>
-    <a:lvl5pPr marL="0" marR="0" indent="1828800" algn="ctr" defTabSz="825500" rtl="0" fontAlgn="auto" latinLnBrk="0" hangingPunct="0">
+    <a:lvl5pPr marL="0" marR="0" indent="0" algn="ctr" defTabSz="825500" rtl="0" fontAlgn="auto" latinLnBrk="0" hangingPunct="0">
       <a:lnSpc>
         <a:spcPct val="100000"/>
       </a:lnSpc>
@@ -194,13 +194,13 @@
         </a:solidFill>
         <a:effectLst/>
         <a:uFillTx/>
-        <a:latin typeface="Proxima Nova"/>
-        <a:ea typeface="Proxima Nova"/>
-        <a:cs typeface="Proxima Nova"/>
-        <a:sym typeface="Proxima Nova"/>
+        <a:latin typeface="Druk Medium"/>
+        <a:ea typeface="Druk Medium"/>
+        <a:cs typeface="Druk Medium"/>
+        <a:sym typeface="Druk Medium"/>
       </a:defRPr>
     </a:lvl5pPr>
-    <a:lvl6pPr marL="0" marR="0" indent="2286000" algn="ctr" defTabSz="825500" rtl="0" fontAlgn="auto" latinLnBrk="0" hangingPunct="0">
+    <a:lvl6pPr marL="0" marR="0" indent="0" algn="ctr" defTabSz="825500" rtl="0" fontAlgn="auto" latinLnBrk="0" hangingPunct="0">
       <a:lnSpc>
         <a:spcPct val="100000"/>
       </a:lnSpc>
@@ -224,13 +224,13 @@
         </a:solidFill>
         <a:effectLst/>
         <a:uFillTx/>
-        <a:latin typeface="Proxima Nova"/>
-        <a:ea typeface="Proxima Nova"/>
-        <a:cs typeface="Proxima Nova"/>
-        <a:sym typeface="Proxima Nova"/>
+        <a:latin typeface="Druk Medium"/>
+        <a:ea typeface="Druk Medium"/>
+        <a:cs typeface="Druk Medium"/>
+        <a:sym typeface="Druk Medium"/>
       </a:defRPr>
     </a:lvl6pPr>
-    <a:lvl7pPr marL="0" marR="0" indent="2743200" algn="ctr" defTabSz="825500" rtl="0" fontAlgn="auto" latinLnBrk="0" hangingPunct="0">
+    <a:lvl7pPr marL="0" marR="0" indent="0" algn="ctr" defTabSz="825500" rtl="0" fontAlgn="auto" latinLnBrk="0" hangingPunct="0">
       <a:lnSpc>
         <a:spcPct val="100000"/>
       </a:lnSpc>
@@ -254,13 +254,13 @@
         </a:solidFill>
         <a:effectLst/>
         <a:uFillTx/>
-        <a:latin typeface="Proxima Nova"/>
-        <a:ea typeface="Proxima Nova"/>
-        <a:cs typeface="Proxima Nova"/>
-        <a:sym typeface="Proxima Nova"/>
+        <a:latin typeface="Druk Medium"/>
+        <a:ea typeface="Druk Medium"/>
+        <a:cs typeface="Druk Medium"/>
+        <a:sym typeface="Druk Medium"/>
       </a:defRPr>
     </a:lvl7pPr>
-    <a:lvl8pPr marL="0" marR="0" indent="3200400" algn="ctr" defTabSz="825500" rtl="0" fontAlgn="auto" latinLnBrk="0" hangingPunct="0">
+    <a:lvl8pPr marL="0" marR="0" indent="0" algn="ctr" defTabSz="825500" rtl="0" fontAlgn="auto" latinLnBrk="0" hangingPunct="0">
       <a:lnSpc>
         <a:spcPct val="100000"/>
       </a:lnSpc>
@@ -284,13 +284,13 @@
         </a:solidFill>
         <a:effectLst/>
         <a:uFillTx/>
-        <a:latin typeface="Proxima Nova"/>
-        <a:ea typeface="Proxima Nova"/>
-        <a:cs typeface="Proxima Nova"/>
-        <a:sym typeface="Proxima Nova"/>
+        <a:latin typeface="Druk Medium"/>
+        <a:ea typeface="Druk Medium"/>
+        <a:cs typeface="Druk Medium"/>
+        <a:sym typeface="Druk Medium"/>
       </a:defRPr>
     </a:lvl8pPr>
-    <a:lvl9pPr marL="0" marR="0" indent="3657600" algn="ctr" defTabSz="825500" rtl="0" fontAlgn="auto" latinLnBrk="0" hangingPunct="0">
+    <a:lvl9pPr marL="0" marR="0" indent="0" algn="ctr" defTabSz="825500" rtl="0" fontAlgn="auto" latinLnBrk="0" hangingPunct="0">
       <a:lnSpc>
         <a:spcPct val="100000"/>
       </a:lnSpc>
@@ -314,10 +314,10 @@
         </a:solidFill>
         <a:effectLst/>
         <a:uFillTx/>
-        <a:latin typeface="Proxima Nova"/>
-        <a:ea typeface="Proxima Nova"/>
-        <a:cs typeface="Proxima Nova"/>
-        <a:sym typeface="Proxima Nova"/>
+        <a:latin typeface="Druk Medium"/>
+        <a:ea typeface="Druk Medium"/>
+        <a:cs typeface="Druk Medium"/>
+        <a:sym typeface="Druk Medium"/>
       </a:defRPr>
     </a:lvl9pPr>
   </p:defaultTextStyle>
@@ -404,9 +404,9 @@
         <a:spcPct val="117999"/>
       </a:lnSpc>
       <a:defRPr sz="2200">
-        <a:latin typeface="Helvetica Neue"/>
-        <a:ea typeface="Helvetica Neue"/>
-        <a:cs typeface="Helvetica Neue"/>
+        <a:latin typeface="+mn-lt"/>
+        <a:ea typeface="+mn-ea"/>
+        <a:cs typeface="+mn-cs"/>
         <a:sym typeface="Helvetica Neue"/>
       </a:defRPr>
     </a:lvl1pPr>
@@ -415,9 +415,9 @@
         <a:spcPct val="117999"/>
       </a:lnSpc>
       <a:defRPr sz="2200">
-        <a:latin typeface="Helvetica Neue"/>
-        <a:ea typeface="Helvetica Neue"/>
-        <a:cs typeface="Helvetica Neue"/>
+        <a:latin typeface="+mn-lt"/>
+        <a:ea typeface="+mn-ea"/>
+        <a:cs typeface="+mn-cs"/>
         <a:sym typeface="Helvetica Neue"/>
       </a:defRPr>
     </a:lvl2pPr>
@@ -426,9 +426,9 @@
         <a:spcPct val="117999"/>
       </a:lnSpc>
       <a:defRPr sz="2200">
-        <a:latin typeface="Helvetica Neue"/>
-        <a:ea typeface="Helvetica Neue"/>
-        <a:cs typeface="Helvetica Neue"/>
+        <a:latin typeface="+mn-lt"/>
+        <a:ea typeface="+mn-ea"/>
+        <a:cs typeface="+mn-cs"/>
         <a:sym typeface="Helvetica Neue"/>
       </a:defRPr>
     </a:lvl3pPr>
@@ -437,9 +437,9 @@
         <a:spcPct val="117999"/>
       </a:lnSpc>
       <a:defRPr sz="2200">
-        <a:latin typeface="Helvetica Neue"/>
-        <a:ea typeface="Helvetica Neue"/>
-        <a:cs typeface="Helvetica Neue"/>
+        <a:latin typeface="+mn-lt"/>
+        <a:ea typeface="+mn-ea"/>
+        <a:cs typeface="+mn-cs"/>
         <a:sym typeface="Helvetica Neue"/>
       </a:defRPr>
     </a:lvl4pPr>
@@ -448,9 +448,9 @@
         <a:spcPct val="117999"/>
       </a:lnSpc>
       <a:defRPr sz="2200">
-        <a:latin typeface="Helvetica Neue"/>
-        <a:ea typeface="Helvetica Neue"/>
-        <a:cs typeface="Helvetica Neue"/>
+        <a:latin typeface="+mn-lt"/>
+        <a:ea typeface="+mn-ea"/>
+        <a:cs typeface="+mn-cs"/>
         <a:sym typeface="Helvetica Neue"/>
       </a:defRPr>
     </a:lvl5pPr>
@@ -459,9 +459,9 @@
         <a:spcPct val="117999"/>
       </a:lnSpc>
       <a:defRPr sz="2200">
-        <a:latin typeface="Helvetica Neue"/>
-        <a:ea typeface="Helvetica Neue"/>
-        <a:cs typeface="Helvetica Neue"/>
+        <a:latin typeface="+mn-lt"/>
+        <a:ea typeface="+mn-ea"/>
+        <a:cs typeface="+mn-cs"/>
         <a:sym typeface="Helvetica Neue"/>
       </a:defRPr>
     </a:lvl6pPr>
@@ -470,9 +470,9 @@
         <a:spcPct val="117999"/>
       </a:lnSpc>
       <a:defRPr sz="2200">
-        <a:latin typeface="Helvetica Neue"/>
-        <a:ea typeface="Helvetica Neue"/>
-        <a:cs typeface="Helvetica Neue"/>
+        <a:latin typeface="+mn-lt"/>
+        <a:ea typeface="+mn-ea"/>
+        <a:cs typeface="+mn-cs"/>
         <a:sym typeface="Helvetica Neue"/>
       </a:defRPr>
     </a:lvl7pPr>
@@ -481,9 +481,9 @@
         <a:spcPct val="117999"/>
       </a:lnSpc>
       <a:defRPr sz="2200">
-        <a:latin typeface="Helvetica Neue"/>
-        <a:ea typeface="Helvetica Neue"/>
-        <a:cs typeface="Helvetica Neue"/>
+        <a:latin typeface="+mn-lt"/>
+        <a:ea typeface="+mn-ea"/>
+        <a:cs typeface="+mn-cs"/>
         <a:sym typeface="Helvetica Neue"/>
       </a:defRPr>
     </a:lvl8pPr>
@@ -492,9 +492,9 @@
         <a:spcPct val="117999"/>
       </a:lnSpc>
       <a:defRPr sz="2200">
-        <a:latin typeface="Helvetica Neue"/>
-        <a:ea typeface="Helvetica Neue"/>
-        <a:cs typeface="Helvetica Neue"/>
+        <a:latin typeface="+mn-lt"/>
+        <a:ea typeface="+mn-ea"/>
+        <a:cs typeface="+mn-cs"/>
         <a:sym typeface="Helvetica Neue"/>
       </a:defRPr>
     </a:lvl9pPr>
@@ -503,7 +503,7 @@
 </file>
 
 <file path=ppt/slideLayouts/slideLayout1.xml><?xml version="1.0" encoding="utf-8"?>
-<p:sldLayout xmlns:a="http://schemas.openxmlformats.org/drawingml/2006/main" xmlns:r="http://schemas.openxmlformats.org/officeDocument/2006/relationships" xmlns:p="http://schemas.openxmlformats.org/presentationml/2006/main" xmlns:m="http://schemas.openxmlformats.org/officeDocument/2006/math" xmlns:a14="http://schemas.microsoft.com/office/drawing/2010/main" type="title" showMasterSp="1" showMasterPhAnim="1">
+<p:sldLayout xmlns:a="http://schemas.openxmlformats.org/drawingml/2006/main" xmlns:r="http://schemas.openxmlformats.org/officeDocument/2006/relationships" xmlns:p="http://schemas.openxmlformats.org/presentationml/2006/main" xmlns:m="http://schemas.openxmlformats.org/officeDocument/2006/math" xmlns:a14="http://schemas.microsoft.com/office/drawing/2010/main" type="tx" showMasterSp="1" showMasterPhAnim="1">
   <p:cSld name="제목">
     <p:bg>
       <p:bgPr>
@@ -528,10 +528,10 @@
       </p:grpSpPr>
       <p:sp>
         <p:nvSpPr>
-          <p:cNvPr id="11" name="저자 및 날짜"/>
+          <p:cNvPr id="11" name="본문 첫 번째 줄…"/>
           <p:cNvSpPr txBox="1"/>
           <p:nvPr>
-            <p:ph type="body" sz="quarter" idx="21" hasCustomPrompt="1"/>
+            <p:ph type="body" sz="quarter" idx="1" hasCustomPrompt="1"/>
           </p:nvPr>
         </p:nvSpPr>
         <p:spPr>
@@ -566,11 +566,107 @@
                 <a:sym typeface="Proxima Nova Extrabold"/>
               </a:defRPr>
             </a:lvl1pPr>
+            <a:lvl2pPr marL="1273628" indent="-587828" defTabSz="825500">
+              <a:lnSpc>
+                <a:spcPct val="120000"/>
+              </a:lnSpc>
+              <a:spcBef>
+                <a:spcPts val="0"/>
+              </a:spcBef>
+              <a:buClrTx/>
+              <a:defRPr b="0" cap="all" sz="3600">
+                <a:solidFill>
+                  <a:srgbClr val="FFFFFF"/>
+                </a:solidFill>
+                <a:latin typeface="Proxima Nova Extrabold"/>
+                <a:ea typeface="Proxima Nova Extrabold"/>
+                <a:cs typeface="Proxima Nova Extrabold"/>
+                <a:sym typeface="Proxima Nova Extrabold"/>
+              </a:defRPr>
+            </a:lvl2pPr>
+            <a:lvl3pPr marL="1959428" indent="-587828" defTabSz="825500">
+              <a:lnSpc>
+                <a:spcPct val="120000"/>
+              </a:lnSpc>
+              <a:spcBef>
+                <a:spcPts val="0"/>
+              </a:spcBef>
+              <a:buClrTx/>
+              <a:defRPr b="0" cap="all" sz="3600">
+                <a:solidFill>
+                  <a:srgbClr val="FFFFFF"/>
+                </a:solidFill>
+                <a:latin typeface="Proxima Nova Extrabold"/>
+                <a:ea typeface="Proxima Nova Extrabold"/>
+                <a:cs typeface="Proxima Nova Extrabold"/>
+                <a:sym typeface="Proxima Nova Extrabold"/>
+              </a:defRPr>
+            </a:lvl3pPr>
+            <a:lvl4pPr marL="2645228" indent="-587828" defTabSz="825500">
+              <a:lnSpc>
+                <a:spcPct val="120000"/>
+              </a:lnSpc>
+              <a:spcBef>
+                <a:spcPts val="0"/>
+              </a:spcBef>
+              <a:buClrTx/>
+              <a:defRPr b="0" cap="all" sz="3600">
+                <a:solidFill>
+                  <a:srgbClr val="FFFFFF"/>
+                </a:solidFill>
+                <a:latin typeface="Proxima Nova Extrabold"/>
+                <a:ea typeface="Proxima Nova Extrabold"/>
+                <a:cs typeface="Proxima Nova Extrabold"/>
+                <a:sym typeface="Proxima Nova Extrabold"/>
+              </a:defRPr>
+            </a:lvl4pPr>
+            <a:lvl5pPr marL="3331028" indent="-587828" defTabSz="825500">
+              <a:lnSpc>
+                <a:spcPct val="120000"/>
+              </a:lnSpc>
+              <a:spcBef>
+                <a:spcPts val="0"/>
+              </a:spcBef>
+              <a:buClrTx/>
+              <a:defRPr b="0" cap="all" sz="3600">
+                <a:solidFill>
+                  <a:srgbClr val="FFFFFF"/>
+                </a:solidFill>
+                <a:latin typeface="Proxima Nova Extrabold"/>
+                <a:ea typeface="Proxima Nova Extrabold"/>
+                <a:cs typeface="Proxima Nova Extrabold"/>
+                <a:sym typeface="Proxima Nova Extrabold"/>
+              </a:defRPr>
+            </a:lvl5pPr>
           </a:lstStyle>
           <a:p>
             <a:pPr/>
             <a:r>
               <a:t>저자 및 날짜</a:t>
+            </a:r>
+          </a:p>
+          <a:p>
+            <a:pPr lvl="1"/>
+            <a:r>
+              <a:t/>
+            </a:r>
+          </a:p>
+          <a:p>
+            <a:pPr lvl="2"/>
+            <a:r>
+              <a:t/>
+            </a:r>
+          </a:p>
+          <a:p>
+            <a:pPr lvl="3"/>
+            <a:r>
+              <a:t/>
+            </a:r>
+          </a:p>
+          <a:p>
+            <a:pPr lvl="4"/>
+            <a:r>
+              <a:t/>
             </a:r>
           </a:p>
         </p:txBody>
@@ -580,7 +676,7 @@
           <p:cNvPr id="12" name="본문 첫 번째 줄…"/>
           <p:cNvSpPr txBox="1"/>
           <p:nvPr>
-            <p:ph type="body" sz="quarter" idx="1" hasCustomPrompt="1"/>
+            <p:ph type="body" sz="quarter" idx="21" hasCustomPrompt="1"/>
           </p:nvPr>
         </p:nvSpPr>
         <p:spPr>
@@ -605,7 +701,7 @@
               <a:buClrTx/>
               <a:buSzTx/>
               <a:buNone/>
-              <a:defRPr b="0" spc="-52" sz="5200">
+              <a:defRPr b="0" spc="-100" sz="5200">
                 <a:solidFill>
                   <a:srgbClr val="000000"/>
                 </a:solidFill>
@@ -615,115 +711,11 @@
                 <a:sym typeface="Proxima Nova Semibold"/>
               </a:defRPr>
             </a:lvl1pPr>
-            <a:lvl2pPr marL="0" indent="457200">
-              <a:lnSpc>
-                <a:spcPct val="90000"/>
-              </a:lnSpc>
-              <a:spcBef>
-                <a:spcPts val="0"/>
-              </a:spcBef>
-              <a:buClrTx/>
-              <a:buSzTx/>
-              <a:buNone/>
-              <a:defRPr b="0" spc="-52" sz="5200">
-                <a:solidFill>
-                  <a:srgbClr val="000000"/>
-                </a:solidFill>
-                <a:latin typeface="Proxima Nova Semibold"/>
-                <a:ea typeface="Proxima Nova Semibold"/>
-                <a:cs typeface="Proxima Nova Semibold"/>
-                <a:sym typeface="Proxima Nova Semibold"/>
-              </a:defRPr>
-            </a:lvl2pPr>
-            <a:lvl3pPr marL="0" indent="914400">
-              <a:lnSpc>
-                <a:spcPct val="90000"/>
-              </a:lnSpc>
-              <a:spcBef>
-                <a:spcPts val="0"/>
-              </a:spcBef>
-              <a:buClrTx/>
-              <a:buSzTx/>
-              <a:buNone/>
-              <a:defRPr b="0" spc="-52" sz="5200">
-                <a:solidFill>
-                  <a:srgbClr val="000000"/>
-                </a:solidFill>
-                <a:latin typeface="Proxima Nova Semibold"/>
-                <a:ea typeface="Proxima Nova Semibold"/>
-                <a:cs typeface="Proxima Nova Semibold"/>
-                <a:sym typeface="Proxima Nova Semibold"/>
-              </a:defRPr>
-            </a:lvl3pPr>
-            <a:lvl4pPr marL="0" indent="1371600">
-              <a:lnSpc>
-                <a:spcPct val="90000"/>
-              </a:lnSpc>
-              <a:spcBef>
-                <a:spcPts val="0"/>
-              </a:spcBef>
-              <a:buClrTx/>
-              <a:buSzTx/>
-              <a:buNone/>
-              <a:defRPr b="0" spc="-52" sz="5200">
-                <a:solidFill>
-                  <a:srgbClr val="000000"/>
-                </a:solidFill>
-                <a:latin typeface="Proxima Nova Semibold"/>
-                <a:ea typeface="Proxima Nova Semibold"/>
-                <a:cs typeface="Proxima Nova Semibold"/>
-                <a:sym typeface="Proxima Nova Semibold"/>
-              </a:defRPr>
-            </a:lvl4pPr>
-            <a:lvl5pPr marL="0" indent="1828800">
-              <a:lnSpc>
-                <a:spcPct val="90000"/>
-              </a:lnSpc>
-              <a:spcBef>
-                <a:spcPts val="0"/>
-              </a:spcBef>
-              <a:buClrTx/>
-              <a:buSzTx/>
-              <a:buNone/>
-              <a:defRPr b="0" spc="-52" sz="5200">
-                <a:solidFill>
-                  <a:srgbClr val="000000"/>
-                </a:solidFill>
-                <a:latin typeface="Proxima Nova Semibold"/>
-                <a:ea typeface="Proxima Nova Semibold"/>
-                <a:cs typeface="Proxima Nova Semibold"/>
-                <a:sym typeface="Proxima Nova Semibold"/>
-              </a:defRPr>
-            </a:lvl5pPr>
           </a:lstStyle>
           <a:p>
             <a:pPr/>
             <a:r>
               <a:t>프레젠테이션 부제</a:t>
-            </a:r>
-          </a:p>
-          <a:p>
-            <a:pPr lvl="1"/>
-            <a:r>
-              <a:t/>
-            </a:r>
-          </a:p>
-          <a:p>
-            <a:pPr lvl="2"/>
-            <a:r>
-              <a:t/>
-            </a:r>
-          </a:p>
-          <a:p>
-            <a:pPr lvl="3"/>
-            <a:r>
-              <a:t/>
-            </a:r>
-          </a:p>
-          <a:p>
-            <a:pPr lvl="4"/>
-            <a:r>
-              <a:t/>
             </a:r>
           </a:p>
         </p:txBody>
@@ -850,13 +842,13 @@
                 <a:solidFill>
                   <a:srgbClr val="FFFFFF"/>
                 </a:solidFill>
-                <a:latin typeface="+mn-lt"/>
-                <a:ea typeface="+mn-ea"/>
-                <a:cs typeface="+mn-cs"/>
+                <a:latin typeface="Druk Medium"/>
+                <a:ea typeface="Druk Medium"/>
+                <a:cs typeface="Druk Medium"/>
                 <a:sym typeface="Druk Medium"/>
               </a:defRPr>
             </a:lvl1pPr>
-            <a:lvl2pPr marL="0" indent="457200" algn="ctr">
+            <a:lvl2pPr marL="0" indent="0" algn="ctr">
               <a:spcBef>
                 <a:spcPts val="0"/>
               </a:spcBef>
@@ -867,13 +859,13 @@
                 <a:solidFill>
                   <a:srgbClr val="FFFFFF"/>
                 </a:solidFill>
-                <a:latin typeface="+mn-lt"/>
-                <a:ea typeface="+mn-ea"/>
-                <a:cs typeface="+mn-cs"/>
+                <a:latin typeface="Druk Medium"/>
+                <a:ea typeface="Druk Medium"/>
+                <a:cs typeface="Druk Medium"/>
                 <a:sym typeface="Druk Medium"/>
               </a:defRPr>
             </a:lvl2pPr>
-            <a:lvl3pPr marL="0" indent="914400" algn="ctr">
+            <a:lvl3pPr marL="0" indent="0" algn="ctr">
               <a:spcBef>
                 <a:spcPts val="0"/>
               </a:spcBef>
@@ -884,13 +876,13 @@
                 <a:solidFill>
                   <a:srgbClr val="FFFFFF"/>
                 </a:solidFill>
-                <a:latin typeface="+mn-lt"/>
-                <a:ea typeface="+mn-ea"/>
-                <a:cs typeface="+mn-cs"/>
+                <a:latin typeface="Druk Medium"/>
+                <a:ea typeface="Druk Medium"/>
+                <a:cs typeface="Druk Medium"/>
                 <a:sym typeface="Druk Medium"/>
               </a:defRPr>
             </a:lvl3pPr>
-            <a:lvl4pPr marL="0" indent="1371600" algn="ctr">
+            <a:lvl4pPr marL="0" indent="0" algn="ctr">
               <a:spcBef>
                 <a:spcPts val="0"/>
               </a:spcBef>
@@ -901,13 +893,13 @@
                 <a:solidFill>
                   <a:srgbClr val="FFFFFF"/>
                 </a:solidFill>
-                <a:latin typeface="+mn-lt"/>
-                <a:ea typeface="+mn-ea"/>
-                <a:cs typeface="+mn-cs"/>
+                <a:latin typeface="Druk Medium"/>
+                <a:ea typeface="Druk Medium"/>
+                <a:cs typeface="Druk Medium"/>
                 <a:sym typeface="Druk Medium"/>
               </a:defRPr>
             </a:lvl4pPr>
-            <a:lvl5pPr marL="0" indent="1828800" algn="ctr">
+            <a:lvl5pPr marL="0" indent="0" algn="ctr">
               <a:spcBef>
                 <a:spcPts val="0"/>
               </a:spcBef>
@@ -918,9 +910,9 @@
                 <a:solidFill>
                   <a:srgbClr val="FFFFFF"/>
                 </a:solidFill>
-                <a:latin typeface="+mn-lt"/>
-                <a:ea typeface="+mn-ea"/>
-                <a:cs typeface="+mn-cs"/>
+                <a:latin typeface="Druk Medium"/>
+                <a:ea typeface="Druk Medium"/>
+                <a:cs typeface="Druk Medium"/>
                 <a:sym typeface="Druk Medium"/>
               </a:defRPr>
             </a:lvl5pPr>
@@ -1023,7 +1015,7 @@
         <p:spPr>
           <a:xfrm>
             <a:off x="1219200" y="2334623"/>
-            <a:ext cx="21945600" cy="7612249"/>
+            <a:ext cx="21945600" cy="7612250"/>
           </a:xfrm>
           <a:prstGeom prst="rect">
             <a:avLst/>
@@ -1046,13 +1038,13 @@
                 <a:solidFill>
                   <a:srgbClr val="FFFFFF"/>
                 </a:solidFill>
-                <a:latin typeface="+mn-lt"/>
-                <a:ea typeface="+mn-ea"/>
-                <a:cs typeface="+mn-cs"/>
+                <a:latin typeface="Druk Medium"/>
+                <a:ea typeface="Druk Medium"/>
+                <a:cs typeface="Druk Medium"/>
                 <a:sym typeface="Druk Medium"/>
               </a:defRPr>
             </a:lvl1pPr>
-            <a:lvl2pPr marL="0" indent="457200" algn="ctr">
+            <a:lvl2pPr marL="0" indent="0" algn="ctr">
               <a:lnSpc>
                 <a:spcPct val="70000"/>
               </a:lnSpc>
@@ -1066,13 +1058,13 @@
                 <a:solidFill>
                   <a:srgbClr val="FFFFFF"/>
                 </a:solidFill>
-                <a:latin typeface="+mn-lt"/>
-                <a:ea typeface="+mn-ea"/>
-                <a:cs typeface="+mn-cs"/>
+                <a:latin typeface="Druk Medium"/>
+                <a:ea typeface="Druk Medium"/>
+                <a:cs typeface="Druk Medium"/>
                 <a:sym typeface="Druk Medium"/>
               </a:defRPr>
             </a:lvl2pPr>
-            <a:lvl3pPr marL="0" indent="914400" algn="ctr">
+            <a:lvl3pPr marL="0" indent="0" algn="ctr">
               <a:lnSpc>
                 <a:spcPct val="70000"/>
               </a:lnSpc>
@@ -1086,13 +1078,13 @@
                 <a:solidFill>
                   <a:srgbClr val="FFFFFF"/>
                 </a:solidFill>
-                <a:latin typeface="+mn-lt"/>
-                <a:ea typeface="+mn-ea"/>
-                <a:cs typeface="+mn-cs"/>
+                <a:latin typeface="Druk Medium"/>
+                <a:ea typeface="Druk Medium"/>
+                <a:cs typeface="Druk Medium"/>
                 <a:sym typeface="Druk Medium"/>
               </a:defRPr>
             </a:lvl3pPr>
-            <a:lvl4pPr marL="0" indent="1371600" algn="ctr">
+            <a:lvl4pPr marL="0" indent="0" algn="ctr">
               <a:lnSpc>
                 <a:spcPct val="70000"/>
               </a:lnSpc>
@@ -1106,13 +1098,13 @@
                 <a:solidFill>
                   <a:srgbClr val="FFFFFF"/>
                 </a:solidFill>
-                <a:latin typeface="+mn-lt"/>
-                <a:ea typeface="+mn-ea"/>
-                <a:cs typeface="+mn-cs"/>
+                <a:latin typeface="Druk Medium"/>
+                <a:ea typeface="Druk Medium"/>
+                <a:cs typeface="Druk Medium"/>
                 <a:sym typeface="Druk Medium"/>
               </a:defRPr>
             </a:lvl4pPr>
-            <a:lvl5pPr marL="0" indent="1828800" algn="ctr">
+            <a:lvl5pPr marL="0" indent="0" algn="ctr">
               <a:lnSpc>
                 <a:spcPct val="70000"/>
               </a:lnSpc>
@@ -1126,9 +1118,9 @@
                 <a:solidFill>
                   <a:srgbClr val="FFFFFF"/>
                 </a:solidFill>
-                <a:latin typeface="+mn-lt"/>
-                <a:ea typeface="+mn-ea"/>
-                <a:cs typeface="+mn-cs"/>
+                <a:latin typeface="Druk Medium"/>
+                <a:ea typeface="Druk Medium"/>
+                <a:cs typeface="Druk Medium"/>
                 <a:sym typeface="Druk Medium"/>
               </a:defRPr>
             </a:lvl5pPr>
@@ -1175,8 +1167,8 @@
         </p:nvSpPr>
         <p:spPr>
           <a:xfrm>
-            <a:off x="1219200" y="9779000"/>
-            <a:ext cx="21945599" cy="629921"/>
+            <a:off x="1219199" y="9779000"/>
+            <a:ext cx="21945600" cy="629921"/>
           </a:xfrm>
           <a:prstGeom prst="rect">
             <a:avLst/>
@@ -1195,7 +1187,7 @@
               <a:buClrTx/>
               <a:buSzTx/>
               <a:buNone/>
-              <a:defRPr b="0" cap="all" spc="-32" sz="3200">
+              <a:defRPr b="0" cap="all" spc="-100" sz="3200">
                 <a:solidFill>
                   <a:srgbClr val="000000"/>
                 </a:solidFill>
@@ -1300,13 +1292,13 @@
                 <a:solidFill>
                   <a:srgbClr val="FFFFFF"/>
                 </a:solidFill>
-                <a:latin typeface="+mn-lt"/>
-                <a:ea typeface="+mn-ea"/>
-                <a:cs typeface="+mn-cs"/>
+                <a:latin typeface="Druk Medium"/>
+                <a:ea typeface="Druk Medium"/>
+                <a:cs typeface="Druk Medium"/>
                 <a:sym typeface="Druk Medium"/>
               </a:defRPr>
             </a:lvl1pPr>
-            <a:lvl2pPr marL="431800" indent="25400" defTabSz="825500">
+            <a:lvl2pPr marL="431800" indent="0" defTabSz="825500">
               <a:spcBef>
                 <a:spcPts val="0"/>
               </a:spcBef>
@@ -1317,13 +1309,13 @@
                 <a:solidFill>
                   <a:srgbClr val="FFFFFF"/>
                 </a:solidFill>
-                <a:latin typeface="+mn-lt"/>
-                <a:ea typeface="+mn-ea"/>
-                <a:cs typeface="+mn-cs"/>
+                <a:latin typeface="Druk Medium"/>
+                <a:ea typeface="Druk Medium"/>
+                <a:cs typeface="Druk Medium"/>
                 <a:sym typeface="Druk Medium"/>
               </a:defRPr>
             </a:lvl2pPr>
-            <a:lvl3pPr marL="431800" indent="482600" defTabSz="825500">
+            <a:lvl3pPr marL="431800" indent="0" defTabSz="825500">
               <a:spcBef>
                 <a:spcPts val="0"/>
               </a:spcBef>
@@ -1334,13 +1326,13 @@
                 <a:solidFill>
                   <a:srgbClr val="FFFFFF"/>
                 </a:solidFill>
-                <a:latin typeface="+mn-lt"/>
-                <a:ea typeface="+mn-ea"/>
-                <a:cs typeface="+mn-cs"/>
+                <a:latin typeface="Druk Medium"/>
+                <a:ea typeface="Druk Medium"/>
+                <a:cs typeface="Druk Medium"/>
                 <a:sym typeface="Druk Medium"/>
               </a:defRPr>
             </a:lvl3pPr>
-            <a:lvl4pPr marL="431800" indent="939800" defTabSz="825500">
+            <a:lvl4pPr marL="431800" indent="0" defTabSz="825500">
               <a:spcBef>
                 <a:spcPts val="0"/>
               </a:spcBef>
@@ -1351,13 +1343,13 @@
                 <a:solidFill>
                   <a:srgbClr val="FFFFFF"/>
                 </a:solidFill>
-                <a:latin typeface="+mn-lt"/>
-                <a:ea typeface="+mn-ea"/>
-                <a:cs typeface="+mn-cs"/>
+                <a:latin typeface="Druk Medium"/>
+                <a:ea typeface="Druk Medium"/>
+                <a:cs typeface="Druk Medium"/>
                 <a:sym typeface="Druk Medium"/>
               </a:defRPr>
             </a:lvl4pPr>
-            <a:lvl5pPr marL="431800" indent="1397000" defTabSz="825500">
+            <a:lvl5pPr marL="431800" indent="0" defTabSz="825500">
               <a:spcBef>
                 <a:spcPts val="0"/>
               </a:spcBef>
@@ -1368,9 +1360,9 @@
                 <a:solidFill>
                   <a:srgbClr val="FFFFFF"/>
                 </a:solidFill>
-                <a:latin typeface="+mn-lt"/>
-                <a:ea typeface="+mn-ea"/>
-                <a:cs typeface="+mn-cs"/>
+                <a:latin typeface="Druk Medium"/>
+                <a:ea typeface="Druk Medium"/>
+                <a:cs typeface="Druk Medium"/>
                 <a:sym typeface="Druk Medium"/>
               </a:defRPr>
             </a:lvl5pPr>
@@ -1437,7 +1429,7 @@
               <a:buClrTx/>
               <a:buSzTx/>
               <a:buNone/>
-              <a:defRPr b="0" cap="all" spc="-32" sz="3200">
+              <a:defRPr b="0" cap="all" spc="-100" sz="3200">
                 <a:solidFill>
                   <a:srgbClr val="FFFFFF"/>
                 </a:solidFill>
@@ -1644,7 +1636,7 @@
         <p:spPr>
           <a:xfrm>
             <a:off x="635000" y="-1181110"/>
-            <a:ext cx="23114000" cy="15417820"/>
+            <a:ext cx="23114000" cy="15417821"/>
           </a:xfrm>
           <a:prstGeom prst="rect">
             <a:avLst/>
@@ -1744,7 +1736,9 @@
   <p:cSld name="제목 및 사진">
     <p:bg>
       <p:bgPr>
-        <a:noFill/>
+        <a:solidFill>
+          <a:srgbClr val="000000"/>
+        </a:solidFill>
       </p:bgPr>
     </p:bg>
     <p:spTree>
@@ -1771,8 +1765,8 @@
         </p:nvSpPr>
         <p:spPr>
           <a:xfrm>
-            <a:off x="-38100" y="-267934"/>
-            <a:ext cx="24472902" cy="14251868"/>
+            <a:off x="-38100" y="-267935"/>
+            <a:ext cx="24472902" cy="14251870"/>
           </a:xfrm>
           <a:prstGeom prst="rect">
             <a:avLst/>
@@ -1828,7 +1822,7 @@
                 <a:sym typeface="Proxima Nova Semibold"/>
               </a:defRPr>
             </a:lvl1pPr>
-            <a:lvl2pPr marL="0" indent="457200">
+            <a:lvl2pPr marL="0" indent="0">
               <a:lnSpc>
                 <a:spcPct val="90000"/>
               </a:lnSpc>
@@ -1848,7 +1842,7 @@
                 <a:sym typeface="Proxima Nova Semibold"/>
               </a:defRPr>
             </a:lvl2pPr>
-            <a:lvl3pPr marL="0" indent="914400">
+            <a:lvl3pPr marL="0" indent="0">
               <a:lnSpc>
                 <a:spcPct val="90000"/>
               </a:lnSpc>
@@ -1868,7 +1862,7 @@
                 <a:sym typeface="Proxima Nova Semibold"/>
               </a:defRPr>
             </a:lvl3pPr>
-            <a:lvl4pPr marL="0" indent="1371600">
+            <a:lvl4pPr marL="0" indent="0">
               <a:lnSpc>
                 <a:spcPct val="90000"/>
               </a:lnSpc>
@@ -1888,7 +1882,7 @@
                 <a:sym typeface="Proxima Nova Semibold"/>
               </a:defRPr>
             </a:lvl4pPr>
-            <a:lvl5pPr marL="0" indent="1828800">
+            <a:lvl5pPr marL="0" indent="0">
               <a:lnSpc>
                 <a:spcPct val="90000"/>
               </a:lnSpc>
@@ -2121,7 +2115,7 @@
                 <a:sym typeface="Proxima Nova Semibold"/>
               </a:defRPr>
             </a:lvl1pPr>
-            <a:lvl2pPr marL="0" indent="457200">
+            <a:lvl2pPr marL="0" indent="0">
               <a:lnSpc>
                 <a:spcPct val="100000"/>
               </a:lnSpc>
@@ -2141,7 +2135,7 @@
                 <a:sym typeface="Proxima Nova Semibold"/>
               </a:defRPr>
             </a:lvl2pPr>
-            <a:lvl3pPr marL="0" indent="914400">
+            <a:lvl3pPr marL="0" indent="0">
               <a:lnSpc>
                 <a:spcPct val="100000"/>
               </a:lnSpc>
@@ -2161,7 +2155,7 @@
                 <a:sym typeface="Proxima Nova Semibold"/>
               </a:defRPr>
             </a:lvl3pPr>
-            <a:lvl4pPr marL="0" indent="1371600">
+            <a:lvl4pPr marL="0" indent="0">
               <a:lnSpc>
                 <a:spcPct val="100000"/>
               </a:lnSpc>
@@ -2181,7 +2175,7 @@
                 <a:sym typeface="Proxima Nova Semibold"/>
               </a:defRPr>
             </a:lvl4pPr>
-            <a:lvl5pPr marL="0" indent="1828800">
+            <a:lvl5pPr marL="0" indent="0">
               <a:lnSpc>
                 <a:spcPct val="100000"/>
               </a:lnSpc>
@@ -2244,8 +2238,8 @@
         </p:nvSpPr>
         <p:spPr>
           <a:xfrm>
-            <a:off x="528828" y="0"/>
-            <a:ext cx="17992344" cy="12001500"/>
+            <a:off x="528827" y="0"/>
+            <a:ext cx="17992345" cy="12001500"/>
           </a:xfrm>
           <a:prstGeom prst="rect">
             <a:avLst/>
@@ -2272,7 +2266,7 @@
         <p:spPr>
           <a:xfrm>
             <a:off x="635000" y="7937906"/>
-            <a:ext cx="17780000" cy="5651592"/>
+            <a:ext cx="17780000" cy="5651593"/>
           </a:xfrm>
           <a:prstGeom prst="rect">
             <a:avLst/>
@@ -2305,8 +2299,8 @@
         </p:nvSpPr>
         <p:spPr>
           <a:xfrm>
-            <a:off x="19169012" y="11874500"/>
-            <a:ext cx="1549401" cy="0"/>
+            <a:off x="19169011" y="11868150"/>
+            <a:ext cx="1549403" cy="12700"/>
           </a:xfrm>
           <a:prstGeom prst="ellipse">
             <a:avLst/>
@@ -2319,7 +2313,7 @@
           </a:ln>
         </p:spPr>
         <p:txBody>
-          <a:bodyPr lIns="0" tIns="0" rIns="0" bIns="0" anchor="ctr"/>
+          <a:bodyPr lIns="50800" tIns="50800" rIns="50800" bIns="50800" anchor="ctr"/>
           <a:lstStyle/>
           <a:p>
             <a:pPr>
@@ -2666,7 +2660,7 @@
         <p:spPr>
           <a:xfrm>
             <a:off x="1219200" y="2439639"/>
-            <a:ext cx="8356600" cy="3068291"/>
+            <a:ext cx="8356600" cy="3068292"/>
           </a:xfrm>
           <a:prstGeom prst="rect">
             <a:avLst/>
@@ -2736,7 +2730,7 @@
         <p:spPr>
           <a:xfrm>
             <a:off x="9156700" y="-38100"/>
-            <a:ext cx="19693467" cy="13106400"/>
+            <a:ext cx="19693468" cy="13106400"/>
           </a:xfrm>
           <a:prstGeom prst="rect">
             <a:avLst/>
@@ -3081,13 +3075,13 @@
               <a:buClrTx/>
               <a:buSzTx/>
               <a:buNone/>
-              <a:defRPr spc="-53" sz="5400">
+              <a:defRPr spc="-52" sz="5400">
                 <a:solidFill>
                   <a:srgbClr val="000000"/>
                 </a:solidFill>
               </a:defRPr>
             </a:lvl1pPr>
-            <a:lvl2pPr marL="0" indent="457200" defTabSz="825500">
+            <a:lvl2pPr marL="0" indent="0" defTabSz="825500">
               <a:lnSpc>
                 <a:spcPct val="140000"/>
               </a:lnSpc>
@@ -3097,13 +3091,13 @@
               <a:buClrTx/>
               <a:buSzTx/>
               <a:buNone/>
-              <a:defRPr spc="-53" sz="5400">
+              <a:defRPr spc="-52" sz="5400">
                 <a:solidFill>
                   <a:srgbClr val="000000"/>
                 </a:solidFill>
               </a:defRPr>
             </a:lvl2pPr>
-            <a:lvl3pPr marL="0" indent="914400" defTabSz="825500">
+            <a:lvl3pPr marL="0" indent="0" defTabSz="825500">
               <a:lnSpc>
                 <a:spcPct val="140000"/>
               </a:lnSpc>
@@ -3113,13 +3107,13 @@
               <a:buClrTx/>
               <a:buSzTx/>
               <a:buNone/>
-              <a:defRPr spc="-53" sz="5400">
+              <a:defRPr spc="-52" sz="5400">
                 <a:solidFill>
                   <a:srgbClr val="000000"/>
                 </a:solidFill>
               </a:defRPr>
             </a:lvl3pPr>
-            <a:lvl4pPr marL="0" indent="1371600" defTabSz="825500">
+            <a:lvl4pPr marL="0" indent="0" defTabSz="825500">
               <a:lnSpc>
                 <a:spcPct val="140000"/>
               </a:lnSpc>
@@ -3129,13 +3123,13 @@
               <a:buClrTx/>
               <a:buSzTx/>
               <a:buNone/>
-              <a:defRPr spc="-53" sz="5400">
+              <a:defRPr spc="-52" sz="5400">
                 <a:solidFill>
                   <a:srgbClr val="000000"/>
                 </a:solidFill>
               </a:defRPr>
             </a:lvl4pPr>
-            <a:lvl5pPr marL="0" indent="1828800" defTabSz="825500">
+            <a:lvl5pPr marL="0" indent="0" defTabSz="825500">
               <a:lnSpc>
                 <a:spcPct val="140000"/>
               </a:lnSpc>
@@ -3145,7 +3139,7 @@
               <a:buClrTx/>
               <a:buSzTx/>
               <a:buNone/>
-              <a:defRPr spc="-53" sz="5400">
+              <a:defRPr spc="-52" sz="5400">
                 <a:solidFill>
                   <a:srgbClr val="000000"/>
                 </a:solidFill>
@@ -3425,13 +3419,13 @@
             <a:srgbClr val="00BFF3"/>
           </a:solidFill>
           <a:uFillTx/>
-          <a:latin typeface="+mn-lt"/>
-          <a:ea typeface="+mn-ea"/>
-          <a:cs typeface="+mn-cs"/>
+          <a:latin typeface="Druk Medium"/>
+          <a:ea typeface="Druk Medium"/>
+          <a:cs typeface="Druk Medium"/>
           <a:sym typeface="Druk Medium"/>
         </a:defRPr>
       </a:lvl1pPr>
-      <a:lvl2pPr marL="0" marR="0" indent="457200" algn="l" defTabSz="825500" rtl="0" latinLnBrk="0">
+      <a:lvl2pPr marL="0" marR="0" indent="0" algn="l" defTabSz="825500" rtl="0" latinLnBrk="0">
         <a:lnSpc>
           <a:spcPct val="80000"/>
         </a:lnSpc>
@@ -3451,13 +3445,13 @@
             <a:srgbClr val="00BFF3"/>
           </a:solidFill>
           <a:uFillTx/>
-          <a:latin typeface="+mn-lt"/>
-          <a:ea typeface="+mn-ea"/>
-          <a:cs typeface="+mn-cs"/>
+          <a:latin typeface="Druk Medium"/>
+          <a:ea typeface="Druk Medium"/>
+          <a:cs typeface="Druk Medium"/>
           <a:sym typeface="Druk Medium"/>
         </a:defRPr>
       </a:lvl2pPr>
-      <a:lvl3pPr marL="0" marR="0" indent="914400" algn="l" defTabSz="825500" rtl="0" latinLnBrk="0">
+      <a:lvl3pPr marL="0" marR="0" indent="0" algn="l" defTabSz="825500" rtl="0" latinLnBrk="0">
         <a:lnSpc>
           <a:spcPct val="80000"/>
         </a:lnSpc>
@@ -3477,13 +3471,13 @@
             <a:srgbClr val="00BFF3"/>
           </a:solidFill>
           <a:uFillTx/>
-          <a:latin typeface="+mn-lt"/>
-          <a:ea typeface="+mn-ea"/>
-          <a:cs typeface="+mn-cs"/>
+          <a:latin typeface="Druk Medium"/>
+          <a:ea typeface="Druk Medium"/>
+          <a:cs typeface="Druk Medium"/>
           <a:sym typeface="Druk Medium"/>
         </a:defRPr>
       </a:lvl3pPr>
-      <a:lvl4pPr marL="0" marR="0" indent="1371600" algn="l" defTabSz="825500" rtl="0" latinLnBrk="0">
+      <a:lvl4pPr marL="0" marR="0" indent="0" algn="l" defTabSz="825500" rtl="0" latinLnBrk="0">
         <a:lnSpc>
           <a:spcPct val="80000"/>
         </a:lnSpc>
@@ -3503,13 +3497,13 @@
             <a:srgbClr val="00BFF3"/>
           </a:solidFill>
           <a:uFillTx/>
-          <a:latin typeface="+mn-lt"/>
-          <a:ea typeface="+mn-ea"/>
-          <a:cs typeface="+mn-cs"/>
+          <a:latin typeface="Druk Medium"/>
+          <a:ea typeface="Druk Medium"/>
+          <a:cs typeface="Druk Medium"/>
           <a:sym typeface="Druk Medium"/>
         </a:defRPr>
       </a:lvl4pPr>
-      <a:lvl5pPr marL="0" marR="0" indent="1828800" algn="l" defTabSz="825500" rtl="0" latinLnBrk="0">
+      <a:lvl5pPr marL="0" marR="0" indent="0" algn="l" defTabSz="825500" rtl="0" latinLnBrk="0">
         <a:lnSpc>
           <a:spcPct val="80000"/>
         </a:lnSpc>
@@ -3529,13 +3523,13 @@
             <a:srgbClr val="00BFF3"/>
           </a:solidFill>
           <a:uFillTx/>
-          <a:latin typeface="+mn-lt"/>
-          <a:ea typeface="+mn-ea"/>
-          <a:cs typeface="+mn-cs"/>
+          <a:latin typeface="Druk Medium"/>
+          <a:ea typeface="Druk Medium"/>
+          <a:cs typeface="Druk Medium"/>
           <a:sym typeface="Druk Medium"/>
         </a:defRPr>
       </a:lvl5pPr>
-      <a:lvl6pPr marL="0" marR="0" indent="2286000" algn="l" defTabSz="825500" rtl="0" latinLnBrk="0">
+      <a:lvl6pPr marL="0" marR="0" indent="0" algn="l" defTabSz="825500" rtl="0" latinLnBrk="0">
         <a:lnSpc>
           <a:spcPct val="80000"/>
         </a:lnSpc>
@@ -3555,13 +3549,13 @@
             <a:srgbClr val="00BFF3"/>
           </a:solidFill>
           <a:uFillTx/>
-          <a:latin typeface="+mn-lt"/>
-          <a:ea typeface="+mn-ea"/>
-          <a:cs typeface="+mn-cs"/>
+          <a:latin typeface="Druk Medium"/>
+          <a:ea typeface="Druk Medium"/>
+          <a:cs typeface="Druk Medium"/>
           <a:sym typeface="Druk Medium"/>
         </a:defRPr>
       </a:lvl6pPr>
-      <a:lvl7pPr marL="0" marR="0" indent="2743200" algn="l" defTabSz="825500" rtl="0" latinLnBrk="0">
+      <a:lvl7pPr marL="0" marR="0" indent="0" algn="l" defTabSz="825500" rtl="0" latinLnBrk="0">
         <a:lnSpc>
           <a:spcPct val="80000"/>
         </a:lnSpc>
@@ -3581,13 +3575,13 @@
             <a:srgbClr val="00BFF3"/>
           </a:solidFill>
           <a:uFillTx/>
-          <a:latin typeface="+mn-lt"/>
-          <a:ea typeface="+mn-ea"/>
-          <a:cs typeface="+mn-cs"/>
+          <a:latin typeface="Druk Medium"/>
+          <a:ea typeface="Druk Medium"/>
+          <a:cs typeface="Druk Medium"/>
           <a:sym typeface="Druk Medium"/>
         </a:defRPr>
       </a:lvl7pPr>
-      <a:lvl8pPr marL="0" marR="0" indent="3200400" algn="l" defTabSz="825500" rtl="0" latinLnBrk="0">
+      <a:lvl8pPr marL="0" marR="0" indent="0" algn="l" defTabSz="825500" rtl="0" latinLnBrk="0">
         <a:lnSpc>
           <a:spcPct val="80000"/>
         </a:lnSpc>
@@ -3607,13 +3601,13 @@
             <a:srgbClr val="00BFF3"/>
           </a:solidFill>
           <a:uFillTx/>
-          <a:latin typeface="+mn-lt"/>
-          <a:ea typeface="+mn-ea"/>
-          <a:cs typeface="+mn-cs"/>
+          <a:latin typeface="Druk Medium"/>
+          <a:ea typeface="Druk Medium"/>
+          <a:cs typeface="Druk Medium"/>
           <a:sym typeface="Druk Medium"/>
         </a:defRPr>
       </a:lvl8pPr>
-      <a:lvl9pPr marL="0" marR="0" indent="3657600" algn="l" defTabSz="825500" rtl="0" latinLnBrk="0">
+      <a:lvl9pPr marL="0" marR="0" indent="0" algn="l" defTabSz="825500" rtl="0" latinLnBrk="0">
         <a:lnSpc>
           <a:spcPct val="80000"/>
         </a:lnSpc>
@@ -3633,9 +3627,9 @@
             <a:srgbClr val="00BFF3"/>
           </a:solidFill>
           <a:uFillTx/>
-          <a:latin typeface="+mn-lt"/>
-          <a:ea typeface="+mn-ea"/>
-          <a:cs typeface="+mn-cs"/>
+          <a:latin typeface="Druk Medium"/>
+          <a:ea typeface="Druk Medium"/>
+          <a:cs typeface="Druk Medium"/>
           <a:sym typeface="Druk Medium"/>
         </a:defRPr>
       </a:lvl9pPr>
@@ -3921,7 +3915,7 @@
           <a:sym typeface="Proxima Nova Medium"/>
         </a:defRPr>
       </a:lvl1pPr>
-      <a:lvl2pPr marL="0" marR="0" indent="457200" algn="l" defTabSz="825500" rtl="0" latinLnBrk="0">
+      <a:lvl2pPr marL="0" marR="0" indent="0" algn="l" defTabSz="825500" rtl="0" latinLnBrk="0">
         <a:lnSpc>
           <a:spcPts val="2600"/>
         </a:lnSpc>
@@ -3947,7 +3941,7 @@
           <a:sym typeface="Proxima Nova Medium"/>
         </a:defRPr>
       </a:lvl2pPr>
-      <a:lvl3pPr marL="0" marR="0" indent="914400" algn="l" defTabSz="825500" rtl="0" latinLnBrk="0">
+      <a:lvl3pPr marL="0" marR="0" indent="0" algn="l" defTabSz="825500" rtl="0" latinLnBrk="0">
         <a:lnSpc>
           <a:spcPts val="2600"/>
         </a:lnSpc>
@@ -3973,7 +3967,7 @@
           <a:sym typeface="Proxima Nova Medium"/>
         </a:defRPr>
       </a:lvl3pPr>
-      <a:lvl4pPr marL="0" marR="0" indent="1371600" algn="l" defTabSz="825500" rtl="0" latinLnBrk="0">
+      <a:lvl4pPr marL="0" marR="0" indent="0" algn="l" defTabSz="825500" rtl="0" latinLnBrk="0">
         <a:lnSpc>
           <a:spcPts val="2600"/>
         </a:lnSpc>
@@ -3999,7 +3993,7 @@
           <a:sym typeface="Proxima Nova Medium"/>
         </a:defRPr>
       </a:lvl4pPr>
-      <a:lvl5pPr marL="0" marR="0" indent="1828800" algn="l" defTabSz="825500" rtl="0" latinLnBrk="0">
+      <a:lvl5pPr marL="0" marR="0" indent="0" algn="l" defTabSz="825500" rtl="0" latinLnBrk="0">
         <a:lnSpc>
           <a:spcPts val="2600"/>
         </a:lnSpc>
@@ -4025,7 +4019,7 @@
           <a:sym typeface="Proxima Nova Medium"/>
         </a:defRPr>
       </a:lvl5pPr>
-      <a:lvl6pPr marL="0" marR="0" indent="2286000" algn="l" defTabSz="825500" rtl="0" latinLnBrk="0">
+      <a:lvl6pPr marL="0" marR="0" indent="0" algn="l" defTabSz="825500" rtl="0" latinLnBrk="0">
         <a:lnSpc>
           <a:spcPts val="2600"/>
         </a:lnSpc>
@@ -4051,7 +4045,7 @@
           <a:sym typeface="Proxima Nova Medium"/>
         </a:defRPr>
       </a:lvl6pPr>
-      <a:lvl7pPr marL="0" marR="0" indent="2743200" algn="l" defTabSz="825500" rtl="0" latinLnBrk="0">
+      <a:lvl7pPr marL="0" marR="0" indent="0" algn="l" defTabSz="825500" rtl="0" latinLnBrk="0">
         <a:lnSpc>
           <a:spcPts val="2600"/>
         </a:lnSpc>
@@ -4077,7 +4071,7 @@
           <a:sym typeface="Proxima Nova Medium"/>
         </a:defRPr>
       </a:lvl7pPr>
-      <a:lvl8pPr marL="0" marR="0" indent="3200400" algn="l" defTabSz="825500" rtl="0" latinLnBrk="0">
+      <a:lvl8pPr marL="0" marR="0" indent="0" algn="l" defTabSz="825500" rtl="0" latinLnBrk="0">
         <a:lnSpc>
           <a:spcPts val="2600"/>
         </a:lnSpc>
@@ -4103,7 +4097,7 @@
           <a:sym typeface="Proxima Nova Medium"/>
         </a:defRPr>
       </a:lvl8pPr>
-      <a:lvl9pPr marL="0" marR="0" indent="3657600" algn="l" defTabSz="825500" rtl="0" latinLnBrk="0">
+      <a:lvl9pPr marL="0" marR="0" indent="0" algn="l" defTabSz="825500" rtl="0" latinLnBrk="0">
         <a:lnSpc>
           <a:spcPts val="2600"/>
         </a:lnSpc>
@@ -4156,18 +4150,17 @@
           <p:cNvPr id="150" name="뉴핀소프트 윤태우, 임재성"/>
           <p:cNvSpPr txBox="1"/>
           <p:nvPr>
-            <p:ph type="body" idx="21"/>
+            <p:ph type="body" sz="quarter" idx="1"/>
           </p:nvPr>
         </p:nvSpPr>
         <p:spPr>
-          <a:prstGeom prst="rect">
-            <a:avLst/>
-          </a:prstGeom>
-          <a:extLst>
-            <a:ext uri="{C572A759-6A51-4108-AA02-DFA0A04FC94B}">
-              <ma14:wrappingTextBoxFlag xmlns:ma14="http://schemas.microsoft.com/office/mac/drawingml/2011/main" val="1"/>
-            </a:ext>
-          </a:extLst>
+          <a:xfrm>
+            <a:off x="1219200" y="1917700"/>
+            <a:ext cx="21945600" cy="706628"/>
+          </a:xfrm>
+          <a:prstGeom prst="rect">
+            <a:avLst/>
+          </a:prstGeom>
         </p:spPr>
         <p:txBody>
           <a:bodyPr/>
@@ -4184,18 +4177,42 @@
         <p:nvSpPr>
           <p:cNvPr id="151" name="NETFEIX Project"/>
           <p:cNvSpPr txBox="1"/>
-          <p:nvPr>
-            <p:ph type="subTitle" sz="quarter" idx="1"/>
-          </p:nvPr>
+          <p:nvPr/>
         </p:nvSpPr>
         <p:spPr>
-          <a:prstGeom prst="rect">
-            <a:avLst/>
-          </a:prstGeom>
+          <a:xfrm>
+            <a:off x="1219200" y="8648700"/>
+            <a:ext cx="21945600" cy="2095500"/>
+          </a:xfrm>
+          <a:prstGeom prst="rect">
+            <a:avLst/>
+          </a:prstGeom>
+          <a:ln w="12700">
+            <a:miter lim="400000"/>
+          </a:ln>
+          <a:extLst>
+            <a:ext uri="{C572A759-6A51-4108-AA02-DFA0A04FC94B}">
+              <ma14:wrappingTextBoxFlag xmlns:ma14="http://schemas.microsoft.com/office/mac/drawingml/2011/main" val="1"/>
+            </a:ext>
+          </a:extLst>
         </p:spPr>
         <p:txBody>
-          <a:bodyPr/>
-          <a:lstStyle/>
+          <a:bodyPr lIns="50800" tIns="50800" rIns="50800" bIns="50800">
+            <a:normAutofit fontScale="100000" lnSpcReduction="0"/>
+          </a:bodyPr>
+          <a:lstStyle>
+            <a:lvl1pPr algn="l" defTabSz="584200">
+              <a:lnSpc>
+                <a:spcPct val="90000"/>
+              </a:lnSpc>
+              <a:defRPr spc="-100" sz="5200">
+                <a:latin typeface="Proxima Nova Semibold"/>
+                <a:ea typeface="Proxima Nova Semibold"/>
+                <a:cs typeface="Proxima Nova Semibold"/>
+                <a:sym typeface="Proxima Nova Semibold"/>
+              </a:defRPr>
+            </a:lvl1pPr>
+          </a:lstStyle>
           <a:p>
             <a:pPr/>
             <a:r>
@@ -4209,7 +4226,7 @@
           <p:cNvPr id="152" name="Sw 전공역량강화 프로그램"/>
           <p:cNvSpPr txBox="1"/>
           <p:nvPr>
-            <p:ph type="ctrTitle"/>
+            <p:ph type="title"/>
           </p:nvPr>
         </p:nvSpPr>
         <p:spPr>
@@ -4225,7 +4242,7 @@
           <a:bodyPr/>
           <a:lstStyle>
             <a:lvl1pPr defTabSz="479044">
-              <a:defRPr spc="-179" sz="17958"/>
+              <a:defRPr spc="-200" sz="17900"/>
             </a:lvl1pPr>
           </a:lstStyle>
           <a:p>
@@ -4280,8 +4297,8 @@
         </p:blipFill>
         <p:spPr>
           <a:xfrm>
-            <a:off x="1544481" y="-1"/>
-            <a:ext cx="7711396" cy="13716001"/>
+            <a:off x="1544481" y="-2"/>
+            <a:ext cx="7711396" cy="13716003"/>
           </a:xfrm>
           <a:prstGeom prst="rect">
             <a:avLst/>
@@ -4309,8 +4326,8 @@
         </p:blipFill>
         <p:spPr>
           <a:xfrm>
-            <a:off x="1559640" y="1247155"/>
-            <a:ext cx="7681079" cy="11224615"/>
+            <a:off x="1559639" y="1247154"/>
+            <a:ext cx="7681081" cy="11224616"/>
           </a:xfrm>
           <a:prstGeom prst="rect">
             <a:avLst/>
@@ -4339,7 +4356,7 @@
         <p:spPr>
           <a:xfrm>
             <a:off x="1559639" y="1209054"/>
-            <a:ext cx="7681079" cy="11224617"/>
+            <a:ext cx="7681080" cy="11224618"/>
           </a:xfrm>
           <a:prstGeom prst="rect">
             <a:avLst/>
@@ -4358,7 +4375,7 @@
         <p:spPr>
           <a:xfrm>
             <a:off x="11815519" y="423304"/>
-            <a:ext cx="8811779" cy="1016001"/>
+            <a:ext cx="8811780" cy="1016001"/>
           </a:xfrm>
           <a:prstGeom prst="rect">
             <a:avLst/>
@@ -4378,7 +4395,12 @@
           </a:bodyPr>
           <a:lstStyle>
             <a:lvl1pPr algn="l">
-              <a:defRPr b="1" sz="6000"/>
+              <a:defRPr b="1" sz="6000">
+                <a:latin typeface="Proxima Nova"/>
+                <a:ea typeface="Proxima Nova"/>
+                <a:cs typeface="Proxima Nova"/>
+                <a:sym typeface="Proxima Nova"/>
+              </a:defRPr>
             </a:lvl1pPr>
           </a:lstStyle>
           <a:p>
@@ -4397,8 +4419,8 @@
         </p:nvSpPr>
         <p:spPr>
           <a:xfrm>
-            <a:off x="11765013" y="1876617"/>
-            <a:ext cx="12640601" cy="4879341"/>
+            <a:off x="11765012" y="1876617"/>
+            <a:ext cx="12640601" cy="3964941"/>
           </a:xfrm>
           <a:prstGeom prst="rect">
             <a:avLst/>
@@ -4421,7 +4443,12 @@
             <a:pPr marL="979714" indent="-979714" algn="l">
               <a:buSzPct val="100000"/>
               <a:buAutoNum type="alphaUcPeriod" startAt="1"/>
-              <a:defRPr sz="6000"/>
+              <a:defRPr sz="6000">
+                <a:latin typeface="Proxima Nova"/>
+                <a:ea typeface="Proxima Nova"/>
+                <a:cs typeface="Proxima Nova"/>
+                <a:sym typeface="Proxima Nova"/>
+              </a:defRPr>
             </a:pPr>
             <a:r>
               <a:t>HomeFragment에서 저장된 아이템을</a:t>
@@ -4514,8 +4541,8 @@
         </p:blipFill>
         <p:spPr>
           <a:xfrm>
-            <a:off x="1559640" y="1247155"/>
-            <a:ext cx="7681079" cy="11224615"/>
+            <a:off x="1559639" y="1247154"/>
+            <a:ext cx="7681081" cy="11224616"/>
           </a:xfrm>
           <a:prstGeom prst="rect">
             <a:avLst/>
@@ -4543,8 +4570,8 @@
         </p:blipFill>
         <p:spPr>
           <a:xfrm>
-            <a:off x="1613310" y="1369564"/>
-            <a:ext cx="7573737" cy="11067755"/>
+            <a:off x="1613309" y="1369563"/>
+            <a:ext cx="7573738" cy="11067756"/>
           </a:xfrm>
           <a:prstGeom prst="rect">
             <a:avLst/>
@@ -4563,7 +4590,7 @@
         <p:spPr>
           <a:xfrm>
             <a:off x="11815519" y="423304"/>
-            <a:ext cx="8811779" cy="1016001"/>
+            <a:ext cx="8811780" cy="1016001"/>
           </a:xfrm>
           <a:prstGeom prst="rect">
             <a:avLst/>
@@ -4583,13 +4610,18 @@
           </a:bodyPr>
           <a:lstStyle>
             <a:lvl1pPr algn="l">
-              <a:defRPr b="1" sz="6000"/>
+              <a:defRPr b="1" sz="6000">
+                <a:latin typeface="Proxima Nova"/>
+                <a:ea typeface="Proxima Nova"/>
+                <a:cs typeface="Proxima Nova"/>
+                <a:sym typeface="Proxima Nova"/>
+              </a:defRPr>
             </a:lvl1pPr>
           </a:lstStyle>
           <a:p>
             <a:pPr/>
             <a:r>
-              <a:t>MoreActivity</a:t>
+              <a:t>MoreFragment</a:t>
             </a:r>
           </a:p>
         </p:txBody>
@@ -4602,8 +4634,8 @@
         </p:nvSpPr>
         <p:spPr>
           <a:xfrm>
-            <a:off x="11765013" y="1876617"/>
-            <a:ext cx="12160541" cy="8811262"/>
+            <a:off x="11765012" y="1876616"/>
+            <a:ext cx="12160541" cy="7896862"/>
           </a:xfrm>
           <a:prstGeom prst="rect">
             <a:avLst/>
@@ -4626,7 +4658,12 @@
             <a:pPr marL="979714" indent="-979714" algn="l">
               <a:buSzPct val="100000"/>
               <a:buAutoNum type="alphaUcPeriod" startAt="1"/>
-              <a:defRPr sz="6000"/>
+              <a:defRPr sz="6000">
+                <a:latin typeface="Proxima Nova"/>
+                <a:ea typeface="Proxima Nova"/>
+                <a:cs typeface="Proxima Nova"/>
+                <a:sym typeface="Proxima Nova"/>
+              </a:defRPr>
             </a:pPr>
             <a:r>
               <a:t>초기에는 입력이 활성화 되지 않으나</a:t>
@@ -4644,7 +4681,12 @@
             <a:pPr marL="979714" indent="-979714" algn="l">
               <a:buSzPct val="100000"/>
               <a:buAutoNum type="alphaUcPeriod" startAt="1"/>
-              <a:defRPr sz="6000"/>
+              <a:defRPr sz="6000">
+                <a:latin typeface="Proxima Nova"/>
+                <a:ea typeface="Proxima Nova"/>
+                <a:cs typeface="Proxima Nova"/>
+                <a:sym typeface="Proxima Nova"/>
+              </a:defRPr>
             </a:pPr>
             <a:r>
               <a:t>각각의 항목들을 입력 할 수 있고 항목</a:t>
@@ -4658,7 +4700,12 @@
             <a:pPr marL="979714" indent="-979714" algn="l">
               <a:buSzPct val="100000"/>
               <a:buAutoNum type="alphaUcPeriod" startAt="1"/>
-              <a:defRPr sz="6000"/>
+              <a:defRPr sz="6000">
+                <a:latin typeface="Proxima Nova"/>
+                <a:ea typeface="Proxima Nova"/>
+                <a:cs typeface="Proxima Nova"/>
+                <a:sym typeface="Proxima Nova"/>
+              </a:defRPr>
             </a:pPr>
             <a:r>
               <a:t>프로필 사진을 누르면 </a:t>
@@ -4667,13 +4714,6 @@
             <a:r>
               <a:t>SelectPicActivity로 넘어간다</a:t>
             </a:r>
-          </a:p>
-          <a:p>
-            <a:pPr marL="979714" indent="-979714" algn="l">
-              <a:buSzPct val="100000"/>
-              <a:buAutoNum type="alphaUcPeriod" startAt="1"/>
-              <a:defRPr sz="6000"/>
-            </a:pPr>
           </a:p>
         </p:txBody>
       </p:sp>
@@ -4722,7 +4762,7 @@
         <p:spPr>
           <a:xfrm>
             <a:off x="1544481" y="0"/>
-            <a:ext cx="7711396" cy="13716001"/>
+            <a:ext cx="7711396" cy="13716002"/>
           </a:xfrm>
           <a:prstGeom prst="rect">
             <a:avLst/>
@@ -4750,8 +4790,8 @@
         </p:blipFill>
         <p:spPr>
           <a:xfrm>
-            <a:off x="1559640" y="1247155"/>
-            <a:ext cx="7681079" cy="11224615"/>
+            <a:off x="1559639" y="1247154"/>
+            <a:ext cx="7681081" cy="11224616"/>
           </a:xfrm>
           <a:prstGeom prst="rect">
             <a:avLst/>
@@ -4779,8 +4819,8 @@
         </p:blipFill>
         <p:spPr>
           <a:xfrm>
-            <a:off x="1602968" y="149470"/>
-            <a:ext cx="7594421" cy="13507942"/>
+            <a:off x="1602968" y="149469"/>
+            <a:ext cx="7594421" cy="13507943"/>
           </a:xfrm>
           <a:prstGeom prst="rect">
             <a:avLst/>
@@ -4799,7 +4839,7 @@
         <p:spPr>
           <a:xfrm>
             <a:off x="11815519" y="423304"/>
-            <a:ext cx="8811779" cy="1016001"/>
+            <a:ext cx="8811780" cy="1016001"/>
           </a:xfrm>
           <a:prstGeom prst="rect">
             <a:avLst/>
@@ -4819,7 +4859,12 @@
           </a:bodyPr>
           <a:lstStyle>
             <a:lvl1pPr algn="l">
-              <a:defRPr b="1" sz="6000"/>
+              <a:defRPr b="1" sz="6000">
+                <a:latin typeface="Proxima Nova"/>
+                <a:ea typeface="Proxima Nova"/>
+                <a:cs typeface="Proxima Nova"/>
+                <a:sym typeface="Proxima Nova"/>
+              </a:defRPr>
             </a:lvl1pPr>
           </a:lstStyle>
           <a:p>
@@ -4838,8 +4883,8 @@
         </p:nvSpPr>
         <p:spPr>
           <a:xfrm>
-            <a:off x="11765013" y="1876617"/>
-            <a:ext cx="11826785" cy="2981961"/>
+            <a:off x="11765012" y="1876617"/>
+            <a:ext cx="11826785" cy="2067561"/>
           </a:xfrm>
           <a:prstGeom prst="rect">
             <a:avLst/>
@@ -4862,7 +4907,12 @@
             <a:pPr marL="979714" indent="-979714" algn="l">
               <a:buSzPct val="100000"/>
               <a:buAutoNum type="alphaUcPeriod" startAt="1"/>
-              <a:defRPr sz="6000"/>
+              <a:defRPr sz="6000">
+                <a:latin typeface="Proxima Nova"/>
+                <a:ea typeface="Proxima Nova"/>
+                <a:cs typeface="Proxima Nova"/>
+                <a:sym typeface="Proxima Nova"/>
+              </a:defRPr>
             </a:pPr>
             <a:r>
               <a:t>프로필 사진을 선택하면 MoreActivi</a:t>
@@ -4918,8 +4968,8 @@
         </p:blipFill>
         <p:spPr>
           <a:xfrm>
-            <a:off x="8336302" y="-1463"/>
-            <a:ext cx="7711396" cy="13716001"/>
+            <a:off x="8336302" y="-1464"/>
+            <a:ext cx="7711396" cy="13716003"/>
           </a:xfrm>
           <a:prstGeom prst="rect">
             <a:avLst/>
@@ -4973,8 +5023,8 @@
         </p:blipFill>
         <p:spPr>
           <a:xfrm>
-            <a:off x="8336302" y="-1463"/>
-            <a:ext cx="7711396" cy="13716001"/>
+            <a:off x="8336302" y="-1464"/>
+            <a:ext cx="7711396" cy="13716003"/>
           </a:xfrm>
           <a:prstGeom prst="rect">
             <a:avLst/>
@@ -5002,8 +5052,8 @@
         </p:blipFill>
         <p:spPr>
           <a:xfrm>
-            <a:off x="8351461" y="1245693"/>
-            <a:ext cx="7681078" cy="11224614"/>
+            <a:off x="8351460" y="1245692"/>
+            <a:ext cx="7681079" cy="11224616"/>
           </a:xfrm>
           <a:prstGeom prst="rect">
             <a:avLst/>
@@ -5057,8 +5107,8 @@
         </p:blipFill>
         <p:spPr>
           <a:xfrm>
-            <a:off x="8336302" y="-1463"/>
-            <a:ext cx="7711396" cy="13716001"/>
+            <a:off x="8336302" y="-1464"/>
+            <a:ext cx="7711396" cy="13716003"/>
           </a:xfrm>
           <a:prstGeom prst="rect">
             <a:avLst/>
@@ -5086,8 +5136,8 @@
         </p:blipFill>
         <p:spPr>
           <a:xfrm>
-            <a:off x="8351461" y="1245693"/>
-            <a:ext cx="7681079" cy="11224614"/>
+            <a:off x="8351460" y="1245692"/>
+            <a:ext cx="7681080" cy="11224616"/>
           </a:xfrm>
           <a:prstGeom prst="rect">
             <a:avLst/>
@@ -5115,8 +5165,8 @@
         </p:blipFill>
         <p:spPr>
           <a:xfrm>
-            <a:off x="8351461" y="1207592"/>
-            <a:ext cx="7681078" cy="11224616"/>
+            <a:off x="8351460" y="1207591"/>
+            <a:ext cx="7681079" cy="11224617"/>
           </a:xfrm>
           <a:prstGeom prst="rect">
             <a:avLst/>
@@ -5170,8 +5220,8 @@
         </p:blipFill>
         <p:spPr>
           <a:xfrm>
-            <a:off x="8336302" y="-1463"/>
-            <a:ext cx="7711396" cy="13716001"/>
+            <a:off x="8336302" y="-1464"/>
+            <a:ext cx="7711396" cy="13716003"/>
           </a:xfrm>
           <a:prstGeom prst="rect">
             <a:avLst/>
@@ -5199,8 +5249,8 @@
         </p:blipFill>
         <p:spPr>
           <a:xfrm>
-            <a:off x="8351461" y="1245693"/>
-            <a:ext cx="7681079" cy="11224614"/>
+            <a:off x="8351460" y="1245692"/>
+            <a:ext cx="7681080" cy="11224616"/>
           </a:xfrm>
           <a:prstGeom prst="rect">
             <a:avLst/>
@@ -5228,8 +5278,8 @@
         </p:blipFill>
         <p:spPr>
           <a:xfrm>
-            <a:off x="8405132" y="1368101"/>
-            <a:ext cx="7573736" cy="11067755"/>
+            <a:off x="8405131" y="1368100"/>
+            <a:ext cx="7573738" cy="11067756"/>
           </a:xfrm>
           <a:prstGeom prst="rect">
             <a:avLst/>
@@ -5283,8 +5333,8 @@
         </p:blipFill>
         <p:spPr>
           <a:xfrm>
-            <a:off x="8336302" y="-1463"/>
-            <a:ext cx="7711396" cy="13716001"/>
+            <a:off x="8336302" y="-1464"/>
+            <a:ext cx="7711396" cy="13716003"/>
           </a:xfrm>
           <a:prstGeom prst="rect">
             <a:avLst/>
@@ -5312,8 +5362,8 @@
         </p:blipFill>
         <p:spPr>
           <a:xfrm>
-            <a:off x="8351461" y="1245693"/>
-            <a:ext cx="7681079" cy="11224614"/>
+            <a:off x="8351460" y="1245692"/>
+            <a:ext cx="7681080" cy="11224616"/>
           </a:xfrm>
           <a:prstGeom prst="rect">
             <a:avLst/>
@@ -5341,8 +5391,8 @@
         </p:blipFill>
         <p:spPr>
           <a:xfrm>
-            <a:off x="8394789" y="100448"/>
-            <a:ext cx="7647899" cy="13603061"/>
+            <a:off x="8394789" y="100447"/>
+            <a:ext cx="7647900" cy="13603063"/>
           </a:xfrm>
           <a:prstGeom prst="rect">
             <a:avLst/>
@@ -5397,7 +5447,7 @@
         <p:spPr>
           <a:xfrm>
             <a:off x="1544481" y="0"/>
-            <a:ext cx="7711396" cy="13716001"/>
+            <a:ext cx="7711396" cy="13716002"/>
           </a:xfrm>
           <a:prstGeom prst="rect">
             <a:avLst/>
@@ -5416,7 +5466,7 @@
         <p:spPr>
           <a:xfrm>
             <a:off x="11815519" y="423304"/>
-            <a:ext cx="8811779" cy="1016001"/>
+            <a:ext cx="8811780" cy="1016001"/>
           </a:xfrm>
           <a:prstGeom prst="rect">
             <a:avLst/>
@@ -5436,7 +5486,12 @@
           </a:bodyPr>
           <a:lstStyle>
             <a:lvl1pPr algn="l">
-              <a:defRPr b="1" sz="6000"/>
+              <a:defRPr b="1" sz="6000">
+                <a:latin typeface="Proxima Nova"/>
+                <a:ea typeface="Proxima Nova"/>
+                <a:cs typeface="Proxima Nova"/>
+                <a:sym typeface="Proxima Nova"/>
+              </a:defRPr>
             </a:lvl1pPr>
           </a:lstStyle>
           <a:p>
@@ -5455,8 +5510,8 @@
         </p:nvSpPr>
         <p:spPr>
           <a:xfrm>
-            <a:off x="11765013" y="1876617"/>
-            <a:ext cx="11851169" cy="4879341"/>
+            <a:off x="11765012" y="1876617"/>
+            <a:ext cx="11851169" cy="3964941"/>
           </a:xfrm>
           <a:prstGeom prst="rect">
             <a:avLst/>
@@ -5479,7 +5534,12 @@
             <a:pPr marL="979714" indent="-979714" algn="l">
               <a:buSzPct val="100000"/>
               <a:buAutoNum type="alphaUcPeriod" startAt="1"/>
-              <a:defRPr sz="6000"/>
+              <a:defRPr sz="6000">
+                <a:latin typeface="Proxima Nova"/>
+                <a:ea typeface="Proxima Nova"/>
+                <a:cs typeface="Proxima Nova"/>
+                <a:sym typeface="Proxima Nova"/>
+              </a:defRPr>
             </a:pPr>
             <a:r>
               <a:t>표시 - 비밀번호 표시 / 비표시</a:t>
@@ -5489,7 +5549,12 @@
             <a:pPr marL="979714" indent="-979714" algn="l">
               <a:buSzPct val="100000"/>
               <a:buAutoNum type="alphaUcPeriod" startAt="1"/>
-              <a:defRPr sz="6000"/>
+              <a:defRPr sz="6000">
+                <a:latin typeface="Proxima Nova"/>
+                <a:ea typeface="Proxima Nova"/>
+                <a:cs typeface="Proxima Nova"/>
+                <a:sym typeface="Proxima Nova"/>
+              </a:defRPr>
             </a:pPr>
             <a:r>
               <a:t>자동로그인 기능</a:t>
@@ -5499,7 +5564,12 @@
             <a:pPr marL="979714" indent="-979714" algn="l">
               <a:buSzPct val="100000"/>
               <a:buAutoNum type="alphaUcPeriod" startAt="1"/>
-              <a:defRPr sz="6000"/>
+              <a:defRPr sz="6000">
+                <a:latin typeface="Proxima Nova"/>
+                <a:ea typeface="Proxima Nova"/>
+                <a:cs typeface="Proxima Nova"/>
+                <a:sym typeface="Proxima Nova"/>
+              </a:defRPr>
             </a:pPr>
             <a:r>
               <a:t>저장된 ID/PW는 앱내에 임의로 저장</a:t>
@@ -5555,8 +5625,8 @@
         </p:blipFill>
         <p:spPr>
           <a:xfrm>
-            <a:off x="1544481" y="-1"/>
-            <a:ext cx="7711396" cy="13716001"/>
+            <a:off x="1544481" y="-2"/>
+            <a:ext cx="7711396" cy="13716003"/>
           </a:xfrm>
           <a:prstGeom prst="rect">
             <a:avLst/>
@@ -5575,7 +5645,7 @@
         <p:spPr>
           <a:xfrm>
             <a:off x="11815519" y="423304"/>
-            <a:ext cx="8811779" cy="1016001"/>
+            <a:ext cx="8811780" cy="1016001"/>
           </a:xfrm>
           <a:prstGeom prst="rect">
             <a:avLst/>
@@ -5595,13 +5665,18 @@
           </a:bodyPr>
           <a:lstStyle>
             <a:lvl1pPr algn="l">
-              <a:defRPr b="1" sz="6000"/>
+              <a:defRPr b="1" sz="6000">
+                <a:latin typeface="Proxima Nova"/>
+                <a:ea typeface="Proxima Nova"/>
+                <a:cs typeface="Proxima Nova"/>
+                <a:sym typeface="Proxima Nova"/>
+              </a:defRPr>
             </a:lvl1pPr>
           </a:lstStyle>
           <a:p>
             <a:pPr/>
             <a:r>
-              <a:t>HomeActivity</a:t>
+              <a:t>MainActivity</a:t>
             </a:r>
           </a:p>
         </p:txBody>
@@ -5614,8 +5689,8 @@
         </p:nvSpPr>
         <p:spPr>
           <a:xfrm>
-            <a:off x="11765013" y="1876617"/>
-            <a:ext cx="10911623" cy="4879341"/>
+            <a:off x="11765012" y="1876617"/>
+            <a:ext cx="10911623" cy="3964941"/>
           </a:xfrm>
           <a:prstGeom prst="rect">
             <a:avLst/>
@@ -5638,7 +5713,12 @@
             <a:pPr marL="979714" indent="-979714" algn="l">
               <a:buSzPct val="100000"/>
               <a:buAutoNum type="alphaUcPeriod" startAt="1"/>
-              <a:defRPr sz="6000"/>
+              <a:defRPr sz="6000">
+                <a:latin typeface="Proxima Nova"/>
+                <a:ea typeface="Proxima Nova"/>
+                <a:cs typeface="Proxima Nova"/>
+                <a:sym typeface="Proxima Nova"/>
+              </a:defRPr>
             </a:pPr>
             <a:r>
               <a:t>프래그먼트를 이용하여 탭을 구현</a:t>
@@ -5648,7 +5728,12 @@
             <a:pPr marL="979714" indent="-979714" algn="l">
               <a:buSzPct val="100000"/>
               <a:buAutoNum type="alphaUcPeriod" startAt="1"/>
-              <a:defRPr sz="6000"/>
+              <a:defRPr sz="6000">
+                <a:latin typeface="Proxima Nova"/>
+                <a:ea typeface="Proxima Nova"/>
+                <a:cs typeface="Proxima Nova"/>
+                <a:sym typeface="Proxima Nova"/>
+              </a:defRPr>
             </a:pPr>
             <a:r>
               <a:t>홈</a:t>
@@ -5658,7 +5743,12 @@
             <a:pPr marL="979714" indent="-979714" algn="l">
               <a:buSzPct val="100000"/>
               <a:buAutoNum type="alphaUcPeriod" startAt="1"/>
-              <a:defRPr sz="6000"/>
+              <a:defRPr sz="6000">
+                <a:latin typeface="Proxima Nova"/>
+                <a:ea typeface="Proxima Nova"/>
+                <a:cs typeface="Proxima Nova"/>
+                <a:sym typeface="Proxima Nova"/>
+              </a:defRPr>
             </a:pPr>
             <a:r>
               <a:t>저장된 콘텐츠 목록</a:t>
@@ -5668,7 +5758,12 @@
             <a:pPr marL="979714" indent="-979714" algn="l">
               <a:buSzPct val="100000"/>
               <a:buAutoNum type="alphaUcPeriod" startAt="1"/>
-              <a:defRPr sz="6000"/>
+              <a:defRPr sz="6000">
+                <a:latin typeface="Proxima Nova"/>
+                <a:ea typeface="Proxima Nova"/>
+                <a:cs typeface="Proxima Nova"/>
+                <a:sym typeface="Proxima Nova"/>
+              </a:defRPr>
             </a:pPr>
             <a:r>
               <a:t>더보기(마이페이지)</a:t>
@@ -5720,8 +5815,8 @@
         </p:blipFill>
         <p:spPr>
           <a:xfrm>
-            <a:off x="1544481" y="-1"/>
-            <a:ext cx="7711396" cy="13716001"/>
+            <a:off x="1544481" y="-2"/>
+            <a:ext cx="7711396" cy="13716003"/>
           </a:xfrm>
           <a:prstGeom prst="rect">
             <a:avLst/>
@@ -5749,8 +5844,8 @@
         </p:blipFill>
         <p:spPr>
           <a:xfrm>
-            <a:off x="1559640" y="1247155"/>
-            <a:ext cx="7681079" cy="11224615"/>
+            <a:off x="1559639" y="1247154"/>
+            <a:ext cx="7681081" cy="11224616"/>
           </a:xfrm>
           <a:prstGeom prst="rect">
             <a:avLst/>
@@ -5769,7 +5864,7 @@
         <p:spPr>
           <a:xfrm>
             <a:off x="11815519" y="423304"/>
-            <a:ext cx="8811779" cy="1016001"/>
+            <a:ext cx="8811780" cy="1016001"/>
           </a:xfrm>
           <a:prstGeom prst="rect">
             <a:avLst/>
@@ -5789,7 +5884,12 @@
           </a:bodyPr>
           <a:lstStyle>
             <a:lvl1pPr algn="l">
-              <a:defRPr b="1" sz="6000"/>
+              <a:defRPr b="1" sz="6000">
+                <a:latin typeface="Proxima Nova"/>
+                <a:ea typeface="Proxima Nova"/>
+                <a:cs typeface="Proxima Nova"/>
+                <a:sym typeface="Proxima Nova"/>
+              </a:defRPr>
             </a:lvl1pPr>
           </a:lstStyle>
           <a:p>
@@ -5808,8 +5908,8 @@
         </p:nvSpPr>
         <p:spPr>
           <a:xfrm>
-            <a:off x="11765013" y="1876617"/>
-            <a:ext cx="12581927" cy="5862321"/>
+            <a:off x="11765012" y="1876616"/>
+            <a:ext cx="12581927" cy="4947922"/>
           </a:xfrm>
           <a:prstGeom prst="rect">
             <a:avLst/>
@@ -5832,7 +5932,12 @@
             <a:pPr marL="979714" indent="-979714" algn="l">
               <a:buSzPct val="100000"/>
               <a:buAutoNum type="alphaUcPeriod" startAt="1"/>
-              <a:defRPr sz="6000"/>
+              <a:defRPr sz="6000">
+                <a:latin typeface="Proxima Nova"/>
+                <a:ea typeface="Proxima Nova"/>
+                <a:cs typeface="Proxima Nova"/>
+                <a:sym typeface="Proxima Nova"/>
+              </a:defRPr>
             </a:pPr>
             <a:r>
               <a:t>ListView 를 이용하여 콘텐츠 목록을 </a:t>
@@ -5846,7 +5951,12 @@
             <a:pPr marL="979714" indent="-979714" algn="l">
               <a:buSzPct val="100000"/>
               <a:buAutoNum type="alphaUcPeriod" startAt="1"/>
-              <a:defRPr sz="6000"/>
+              <a:defRPr sz="6000">
+                <a:latin typeface="Proxima Nova"/>
+                <a:ea typeface="Proxima Nova"/>
+                <a:cs typeface="Proxima Nova"/>
+                <a:sym typeface="Proxima Nova"/>
+              </a:defRPr>
             </a:pPr>
             <a:r>
               <a:t>각 아이템을 누르면 저장하시겠습니까?</a:t>
@@ -5879,13 +5989,13 @@
         <a:srgbClr val="000000"/>
       </a:dk1>
       <a:lt1>
-        <a:srgbClr val="00BFF3"/>
+        <a:srgbClr val="000000"/>
       </a:lt1>
       <a:dk2>
-        <a:srgbClr val="5E5E5E"/>
+        <a:srgbClr val="A7A7A7"/>
       </a:dk2>
       <a:lt2>
-        <a:srgbClr val="D6D5D5"/>
+        <a:srgbClr val="535353"/>
       </a:lt2>
       <a:accent1>
         <a:srgbClr val="01BFF4"/>
@@ -5914,14 +6024,14 @@
     </a:clrScheme>
     <a:fontScheme name="25_BoldColor_ISO">
       <a:majorFont>
-        <a:latin typeface="Druk Medium"/>
-        <a:ea typeface="Druk Medium"/>
-        <a:cs typeface="Druk Medium"/>
+        <a:latin typeface="Helvetica"/>
+        <a:ea typeface="Helvetica"/>
+        <a:cs typeface="Helvetica"/>
       </a:majorFont>
       <a:minorFont>
-        <a:latin typeface="Druk Medium"/>
-        <a:ea typeface="Druk Medium"/>
-        <a:cs typeface="Druk Medium"/>
+        <a:latin typeface="Helvetica Neue"/>
+        <a:ea typeface="Helvetica Neue"/>
+        <a:cs typeface="Helvetica Neue"/>
       </a:minorFont>
     </a:fontScheme>
     <a:fmtScheme name="25_BoldColor_ISO">
@@ -6062,11 +6172,14 @@
     <a:spDef>
       <a:spPr>
         <a:solidFill>
-          <a:srgbClr val="000000"/>
+          <a:srgbClr val="00BFF3"/>
         </a:solidFill>
-        <a:ln w="12700" cap="flat">
-          <a:noFill/>
-          <a:miter lim="400000"/>
+        <a:ln w="25400" cap="flat">
+          <a:solidFill>
+            <a:schemeClr val="accent1"/>
+          </a:solidFill>
+          <a:prstDash val="solid"/>
+          <a:round/>
         </a:ln>
         <a:effectLst/>
         <a:sp3d/>
@@ -6077,7 +6190,7 @@
       <a:lstStyle>
         <a:defPPr marL="0" marR="0" indent="0" algn="ctr" defTabSz="825500" rtl="0" fontAlgn="auto" latinLnBrk="0" hangingPunct="0">
           <a:lnSpc>
-            <a:spcPct val="120000"/>
+            <a:spcPct val="100000"/>
           </a:lnSpc>
           <a:spcBef>
             <a:spcPts val="0"/>
@@ -6090,19 +6203,19 @@
           <a:buFontTx/>
           <a:buNone/>
           <a:tabLst/>
-          <a:defRPr b="0" baseline="0" cap="all" i="0" spc="0" strike="noStrike" sz="3000" u="none" kumimoji="0" normalizeH="0">
+          <a:defRPr b="0" baseline="0" cap="none" i="0" spc="0" strike="noStrike" sz="2200" u="none" kumimoji="0" normalizeH="0">
             <a:ln>
               <a:noFill/>
             </a:ln>
             <a:solidFill>
-              <a:srgbClr val="FFFFFF"/>
+              <a:srgbClr val="000000"/>
             </a:solidFill>
             <a:effectLst/>
             <a:uFillTx/>
-            <a:latin typeface="Proxima Nova Extrabold"/>
-            <a:ea typeface="Proxima Nova Extrabold"/>
-            <a:cs typeface="Proxima Nova Extrabold"/>
-            <a:sym typeface="Proxima Nova Extrabold"/>
+            <a:latin typeface="Druk Medium"/>
+            <a:ea typeface="Druk Medium"/>
+            <a:cs typeface="Druk Medium"/>
+            <a:sym typeface="Druk Medium"/>
           </a:defRPr>
         </a:defPPr>
         <a:lvl1pPr marL="0" marR="0" indent="0" algn="l" defTabSz="914400" rtl="0" fontAlgn="auto" latinLnBrk="1" hangingPunct="0">
@@ -6350,12 +6463,12 @@
     <a:lnDef>
       <a:spPr>
         <a:noFill/>
-        <a:ln w="254000" cap="flat">
+        <a:ln w="25400" cap="flat">
           <a:solidFill>
-            <a:srgbClr val="000000"/>
+            <a:schemeClr val="accent1"/>
           </a:solidFill>
           <a:prstDash val="solid"/>
-          <a:miter lim="400000"/>
+          <a:round/>
         </a:ln>
         <a:effectLst/>
         <a:sp3d/>
@@ -6670,10 +6783,10 @@
             </a:solidFill>
             <a:effectLst/>
             <a:uFillTx/>
-            <a:latin typeface="Proxima Nova"/>
-            <a:ea typeface="Proxima Nova"/>
-            <a:cs typeface="Proxima Nova"/>
-            <a:sym typeface="Proxima Nova"/>
+            <a:latin typeface="Druk Medium"/>
+            <a:ea typeface="Druk Medium"/>
+            <a:cs typeface="Druk Medium"/>
+            <a:sym typeface="Druk Medium"/>
           </a:defRPr>
         </a:defPPr>
         <a:lvl1pPr marL="0" marR="0" indent="0" algn="l" defTabSz="914400" rtl="0" fontAlgn="auto" latinLnBrk="1" hangingPunct="0">
@@ -6933,10 +7046,10 @@
         <a:srgbClr val="FFFFFF"/>
       </a:lt1>
       <a:dk2>
-        <a:srgbClr val="5E5E5E"/>
+        <a:srgbClr val="A7A7A7"/>
       </a:dk2>
       <a:lt2>
-        <a:srgbClr val="D6D5D5"/>
+        <a:srgbClr val="535353"/>
       </a:lt2>
       <a:accent1>
         <a:srgbClr val="01BFF4"/>
@@ -6965,14 +7078,14 @@
     </a:clrScheme>
     <a:fontScheme name="25_BoldColor_ISO">
       <a:majorFont>
-        <a:latin typeface="Druk Medium"/>
-        <a:ea typeface="Druk Medium"/>
-        <a:cs typeface="Druk Medium"/>
+        <a:latin typeface="Helvetica"/>
+        <a:ea typeface="Helvetica"/>
+        <a:cs typeface="Helvetica"/>
       </a:majorFont>
       <a:minorFont>
-        <a:latin typeface="Druk Medium"/>
-        <a:ea typeface="Druk Medium"/>
-        <a:cs typeface="Druk Medium"/>
+        <a:latin typeface="Helvetica Neue"/>
+        <a:ea typeface="Helvetica Neue"/>
+        <a:cs typeface="Helvetica Neue"/>
       </a:minorFont>
     </a:fontScheme>
     <a:fmtScheme name="25_BoldColor_ISO">
@@ -7113,11 +7226,14 @@
     <a:spDef>
       <a:spPr>
         <a:solidFill>
-          <a:srgbClr val="000000"/>
+          <a:srgbClr val="00BFF3"/>
         </a:solidFill>
-        <a:ln w="12700" cap="flat">
-          <a:noFill/>
-          <a:miter lim="400000"/>
+        <a:ln w="25400" cap="flat">
+          <a:solidFill>
+            <a:schemeClr val="accent1"/>
+          </a:solidFill>
+          <a:prstDash val="solid"/>
+          <a:round/>
         </a:ln>
         <a:effectLst/>
         <a:sp3d/>
@@ -7128,7 +7244,7 @@
       <a:lstStyle>
         <a:defPPr marL="0" marR="0" indent="0" algn="ctr" defTabSz="825500" rtl="0" fontAlgn="auto" latinLnBrk="0" hangingPunct="0">
           <a:lnSpc>
-            <a:spcPct val="120000"/>
+            <a:spcPct val="100000"/>
           </a:lnSpc>
           <a:spcBef>
             <a:spcPts val="0"/>
@@ -7141,19 +7257,19 @@
           <a:buFontTx/>
           <a:buNone/>
           <a:tabLst/>
-          <a:defRPr b="0" baseline="0" cap="all" i="0" spc="0" strike="noStrike" sz="3000" u="none" kumimoji="0" normalizeH="0">
+          <a:defRPr b="0" baseline="0" cap="none" i="0" spc="0" strike="noStrike" sz="2200" u="none" kumimoji="0" normalizeH="0">
             <a:ln>
               <a:noFill/>
             </a:ln>
             <a:solidFill>
-              <a:srgbClr val="FFFFFF"/>
+              <a:srgbClr val="000000"/>
             </a:solidFill>
             <a:effectLst/>
             <a:uFillTx/>
-            <a:latin typeface="Proxima Nova Extrabold"/>
-            <a:ea typeface="Proxima Nova Extrabold"/>
-            <a:cs typeface="Proxima Nova Extrabold"/>
-            <a:sym typeface="Proxima Nova Extrabold"/>
+            <a:latin typeface="Druk Medium"/>
+            <a:ea typeface="Druk Medium"/>
+            <a:cs typeface="Druk Medium"/>
+            <a:sym typeface="Druk Medium"/>
           </a:defRPr>
         </a:defPPr>
         <a:lvl1pPr marL="0" marR="0" indent="0" algn="l" defTabSz="914400" rtl="0" fontAlgn="auto" latinLnBrk="1" hangingPunct="0">
@@ -7401,12 +7517,12 @@
     <a:lnDef>
       <a:spPr>
         <a:noFill/>
-        <a:ln w="254000" cap="flat">
+        <a:ln w="25400" cap="flat">
           <a:solidFill>
-            <a:srgbClr val="000000"/>
+            <a:schemeClr val="accent1"/>
           </a:solidFill>
           <a:prstDash val="solid"/>
-          <a:miter lim="400000"/>
+          <a:round/>
         </a:ln>
         <a:effectLst/>
         <a:sp3d/>
@@ -7721,10 +7837,10 @@
             </a:solidFill>
             <a:effectLst/>
             <a:uFillTx/>
-            <a:latin typeface="Proxima Nova"/>
-            <a:ea typeface="Proxima Nova"/>
-            <a:cs typeface="Proxima Nova"/>
-            <a:sym typeface="Proxima Nova"/>
+            <a:latin typeface="Druk Medium"/>
+            <a:ea typeface="Druk Medium"/>
+            <a:cs typeface="Druk Medium"/>
+            <a:sym typeface="Druk Medium"/>
           </a:defRPr>
         </a:defPPr>
         <a:lvl1pPr marL="0" marR="0" indent="0" algn="l" defTabSz="914400" rtl="0" fontAlgn="auto" latinLnBrk="1" hangingPunct="0">
